--- a/流程.pptx
+++ b/流程.pptx
@@ -776,7 +776,7 @@
           <a:lstStyle/>
           <a:p>
             <a:r>
-              <a:rPr lang="zh-CN" altLang="en-US" smtClean="0"/>
+              <a:rPr lang="zh-CN" altLang="en-US" dirty="0" smtClean="0"/>
               <a:t>检测客户端运行的时间。</a:t>
             </a:r>
             <a:endParaRPr lang="zh-CN" altLang="en-US" dirty="0"/>
